--- a/JAWS Wide Open.pptx
+++ b/JAWS Wide Open.pptx
@@ -4089,7 +4089,7 @@
           <a:p>
             <a:fld id="{69D72450-F607-4E14-9E51-63D25630E06A}" type="datetimeFigureOut">
               <a:rPr lang="en-GB" smtClean="0"/>
-              <a:t>25/03/2018</a:t>
+              <a:t>20/04/2018</a:t>
             </a:fld>
             <a:endParaRPr lang="en-GB"/>
           </a:p>
@@ -4401,7 +4401,7 @@
           <a:bodyPr/>
           <a:lstStyle/>
           <a:p>
-            <a:endParaRPr lang="en-GB"/>
+            <a:endParaRPr lang="en-US"/>
           </a:p>
         </p:txBody>
       </p:sp>
@@ -4422,7 +4422,7 @@
           <a:p>
             <a:fld id="{50088D56-3DE2-4DBB-B23B-A5202ECA467B}" type="slidenum">
               <a:rPr lang="en-GB" smtClean="0"/>
-              <a:t>18</a:t>
+              <a:t>1</a:t>
             </a:fld>
             <a:endParaRPr lang="en-GB"/>
           </a:p>
@@ -4431,7 +4431,7 @@
     </p:spTree>
     <p:extLst>
       <p:ext uri="{BB962C8B-B14F-4D97-AF65-F5344CB8AC3E}">
-        <p14:creationId xmlns:p14="http://schemas.microsoft.com/office/powerpoint/2010/main" val="2424906284"/>
+        <p14:creationId xmlns:p14="http://schemas.microsoft.com/office/powerpoint/2010/main" val="2927083916"/>
       </p:ext>
     </p:extLst>
   </p:cSld>
@@ -4506,6 +4506,90 @@
           <a:p>
             <a:fld id="{50088D56-3DE2-4DBB-B23B-A5202ECA467B}" type="slidenum">
               <a:rPr lang="en-GB" smtClean="0"/>
+              <a:t>18</a:t>
+            </a:fld>
+            <a:endParaRPr lang="en-GB"/>
+          </a:p>
+        </p:txBody>
+      </p:sp>
+    </p:spTree>
+    <p:extLst>
+      <p:ext uri="{BB962C8B-B14F-4D97-AF65-F5344CB8AC3E}">
+        <p14:creationId xmlns:p14="http://schemas.microsoft.com/office/powerpoint/2010/main" val="2424906284"/>
+      </p:ext>
+    </p:extLst>
+  </p:cSld>
+  <p:clrMapOvr>
+    <a:masterClrMapping/>
+  </p:clrMapOvr>
+</p:notes>
+</file>
+
+<file path=ppt/notesSlides/notesSlide3.xml><?xml version="1.0" encoding="utf-8"?>
+<p:notes xmlns:a="http://schemas.openxmlformats.org/drawingml/2006/main" xmlns:r="http://schemas.openxmlformats.org/officeDocument/2006/relationships" xmlns:p="http://schemas.openxmlformats.org/presentationml/2006/main">
+  <p:cSld>
+    <p:spTree>
+      <p:nvGrpSpPr>
+        <p:cNvPr id="1" name=""/>
+        <p:cNvGrpSpPr/>
+        <p:nvPr/>
+      </p:nvGrpSpPr>
+      <p:grpSpPr>
+        <a:xfrm>
+          <a:off x="0" y="0"/>
+          <a:ext cx="0" cy="0"/>
+          <a:chOff x="0" y="0"/>
+          <a:chExt cx="0" cy="0"/>
+        </a:xfrm>
+      </p:grpSpPr>
+      <p:sp>
+        <p:nvSpPr>
+          <p:cNvPr id="2" name="Slide Image Placeholder 1"/>
+          <p:cNvSpPr>
+            <a:spLocks noGrp="1" noRot="1" noChangeAspect="1"/>
+          </p:cNvSpPr>
+          <p:nvPr>
+            <p:ph type="sldImg"/>
+          </p:nvPr>
+        </p:nvSpPr>
+        <p:spPr/>
+      </p:sp>
+      <p:sp>
+        <p:nvSpPr>
+          <p:cNvPr id="3" name="Notes Placeholder 2"/>
+          <p:cNvSpPr>
+            <a:spLocks noGrp="1"/>
+          </p:cNvSpPr>
+          <p:nvPr>
+            <p:ph type="body" idx="1"/>
+          </p:nvPr>
+        </p:nvSpPr>
+        <p:spPr/>
+        <p:txBody>
+          <a:bodyPr/>
+          <a:lstStyle/>
+          <a:p>
+            <a:endParaRPr lang="en-GB"/>
+          </a:p>
+        </p:txBody>
+      </p:sp>
+      <p:sp>
+        <p:nvSpPr>
+          <p:cNvPr id="4" name="Slide Number Placeholder 3"/>
+          <p:cNvSpPr>
+            <a:spLocks noGrp="1"/>
+          </p:cNvSpPr>
+          <p:nvPr>
+            <p:ph type="sldNum" sz="quarter" idx="10"/>
+          </p:nvPr>
+        </p:nvSpPr>
+        <p:spPr/>
+        <p:txBody>
+          <a:bodyPr/>
+          <a:lstStyle/>
+          <a:p>
+            <a:fld id="{50088D56-3DE2-4DBB-B23B-A5202ECA467B}" type="slidenum">
+              <a:rPr lang="en-GB" smtClean="0"/>
               <a:t>19</a:t>
             </a:fld>
             <a:endParaRPr lang="en-GB"/>
@@ -4525,7 +4609,7 @@
 </p:notes>
 </file>
 
-<file path=ppt/notesSlides/notesSlide3.xml><?xml version="1.0" encoding="utf-8"?>
+<file path=ppt/notesSlides/notesSlide4.xml><?xml version="1.0" encoding="utf-8"?>
 <p:notes xmlns:a="http://schemas.openxmlformats.org/drawingml/2006/main" xmlns:r="http://schemas.openxmlformats.org/officeDocument/2006/relationships" xmlns:p="http://schemas.openxmlformats.org/presentationml/2006/main">
   <p:cSld>
     <p:spTree>
@@ -4758,7 +4842,7 @@
           <a:p>
             <a:fld id="{3C432D0F-5E23-42A3-BCD4-DF2D0AA4013E}" type="datetimeFigureOut">
               <a:rPr lang="en-GB" smtClean="0"/>
-              <a:t>25/03/2018</a:t>
+              <a:t>20/04/2018</a:t>
             </a:fld>
             <a:endParaRPr lang="en-GB"/>
           </a:p>
@@ -4958,7 +5042,7 @@
           <a:p>
             <a:fld id="{3C432D0F-5E23-42A3-BCD4-DF2D0AA4013E}" type="datetimeFigureOut">
               <a:rPr lang="en-GB" smtClean="0"/>
-              <a:t>25/03/2018</a:t>
+              <a:t>20/04/2018</a:t>
             </a:fld>
             <a:endParaRPr lang="en-GB"/>
           </a:p>
@@ -5168,7 +5252,7 @@
           <a:p>
             <a:fld id="{3C432D0F-5E23-42A3-BCD4-DF2D0AA4013E}" type="datetimeFigureOut">
               <a:rPr lang="en-GB" smtClean="0"/>
-              <a:t>25/03/2018</a:t>
+              <a:t>20/04/2018</a:t>
             </a:fld>
             <a:endParaRPr lang="en-GB"/>
           </a:p>
@@ -5368,7 +5452,7 @@
           <a:p>
             <a:fld id="{3C432D0F-5E23-42A3-BCD4-DF2D0AA4013E}" type="datetimeFigureOut">
               <a:rPr lang="en-GB" smtClean="0"/>
-              <a:t>25/03/2018</a:t>
+              <a:t>20/04/2018</a:t>
             </a:fld>
             <a:endParaRPr lang="en-GB"/>
           </a:p>
@@ -5644,7 +5728,7 @@
           <a:p>
             <a:fld id="{3C432D0F-5E23-42A3-BCD4-DF2D0AA4013E}" type="datetimeFigureOut">
               <a:rPr lang="en-GB" smtClean="0"/>
-              <a:t>25/03/2018</a:t>
+              <a:t>20/04/2018</a:t>
             </a:fld>
             <a:endParaRPr lang="en-GB"/>
           </a:p>
@@ -5912,7 +5996,7 @@
           <a:p>
             <a:fld id="{3C432D0F-5E23-42A3-BCD4-DF2D0AA4013E}" type="datetimeFigureOut">
               <a:rPr lang="en-GB" smtClean="0"/>
-              <a:t>25/03/2018</a:t>
+              <a:t>20/04/2018</a:t>
             </a:fld>
             <a:endParaRPr lang="en-GB"/>
           </a:p>
@@ -6327,7 +6411,7 @@
           <a:p>
             <a:fld id="{3C432D0F-5E23-42A3-BCD4-DF2D0AA4013E}" type="datetimeFigureOut">
               <a:rPr lang="en-GB" smtClean="0"/>
-              <a:t>25/03/2018</a:t>
+              <a:t>20/04/2018</a:t>
             </a:fld>
             <a:endParaRPr lang="en-GB"/>
           </a:p>
@@ -6469,7 +6553,7 @@
           <a:p>
             <a:fld id="{3C432D0F-5E23-42A3-BCD4-DF2D0AA4013E}" type="datetimeFigureOut">
               <a:rPr lang="en-GB" smtClean="0"/>
-              <a:t>25/03/2018</a:t>
+              <a:t>20/04/2018</a:t>
             </a:fld>
             <a:endParaRPr lang="en-GB"/>
           </a:p>
@@ -6582,7 +6666,7 @@
           <a:p>
             <a:fld id="{3C432D0F-5E23-42A3-BCD4-DF2D0AA4013E}" type="datetimeFigureOut">
               <a:rPr lang="en-GB" smtClean="0"/>
-              <a:t>25/03/2018</a:t>
+              <a:t>20/04/2018</a:t>
             </a:fld>
             <a:endParaRPr lang="en-GB"/>
           </a:p>
@@ -6895,7 +6979,7 @@
           <a:p>
             <a:fld id="{3C432D0F-5E23-42A3-BCD4-DF2D0AA4013E}" type="datetimeFigureOut">
               <a:rPr lang="en-GB" smtClean="0"/>
-              <a:t>25/03/2018</a:t>
+              <a:t>20/04/2018</a:t>
             </a:fld>
             <a:endParaRPr lang="en-GB"/>
           </a:p>
@@ -7184,7 +7268,7 @@
           <a:p>
             <a:fld id="{3C432D0F-5E23-42A3-BCD4-DF2D0AA4013E}" type="datetimeFigureOut">
               <a:rPr lang="en-GB" smtClean="0"/>
-              <a:t>25/03/2018</a:t>
+              <a:t>20/04/2018</a:t>
             </a:fld>
             <a:endParaRPr lang="en-GB"/>
           </a:p>
@@ -7427,7 +7511,7 @@
           <a:p>
             <a:fld id="{3C432D0F-5E23-42A3-BCD4-DF2D0AA4013E}" type="datetimeFigureOut">
               <a:rPr lang="en-GB" smtClean="0"/>
-              <a:t>25/03/2018</a:t>
+              <a:t>20/04/2018</a:t>
             </a:fld>
             <a:endParaRPr lang="en-GB"/>
           </a:p>
@@ -7867,7 +7951,7 @@
           <p:nvPr/>
         </p:nvPicPr>
         <p:blipFill>
-          <a:blip r:embed="rId2">
+          <a:blip r:embed="rId3">
             <a:extLst>
               <a:ext uri="{28A0092B-C50C-407E-A947-70E740481C1C}">
                 <a14:useLocalDpi xmlns:a14="http://schemas.microsoft.com/office/drawing/2010/main" val="0"/>
